--- a/doc/section5.pptx
+++ b/doc/section5.pptx
@@ -7,10 +7,13 @@
   <p:sldIdLst>
     <p:sldId id="256" r:id="rId2"/>
     <p:sldId id="257" r:id="rId3"/>
-    <p:sldId id="258" r:id="rId4"/>
-    <p:sldId id="259" r:id="rId5"/>
-    <p:sldId id="260" r:id="rId6"/>
-    <p:sldId id="261" r:id="rId7"/>
+    <p:sldId id="262" r:id="rId4"/>
+    <p:sldId id="264" r:id="rId5"/>
+    <p:sldId id="258" r:id="rId6"/>
+    <p:sldId id="259" r:id="rId7"/>
+    <p:sldId id="260" r:id="rId8"/>
+    <p:sldId id="265" r:id="rId9"/>
+    <p:sldId id="261" r:id="rId10"/>
   </p:sldIdLst>
   <p:sldSz cx="9144000" cy="6858000" type="screen4x3"/>
   <p:notesSz cx="6858000" cy="9144000"/>
@@ -293,7 +296,7 @@
           <a:p>
             <a:fld id="{BA4DEA9C-1E2A-0F49-BB26-61F3EA801F19}" type="datetimeFigureOut">
               <a:rPr lang="en-US" smtClean="0"/>
-              <a:t>4/14/13</a:t>
+              <a:t>4/16/13</a:t>
             </a:fld>
             <a:endParaRPr lang="en-US"/>
           </a:p>
@@ -463,7 +466,7 @@
           <a:p>
             <a:fld id="{BA4DEA9C-1E2A-0F49-BB26-61F3EA801F19}" type="datetimeFigureOut">
               <a:rPr lang="en-US" smtClean="0"/>
-              <a:t>4/14/13</a:t>
+              <a:t>4/16/13</a:t>
             </a:fld>
             <a:endParaRPr lang="en-US"/>
           </a:p>
@@ -643,7 +646,7 @@
           <a:p>
             <a:fld id="{BA4DEA9C-1E2A-0F49-BB26-61F3EA801F19}" type="datetimeFigureOut">
               <a:rPr lang="en-US" smtClean="0"/>
-              <a:t>4/14/13</a:t>
+              <a:t>4/16/13</a:t>
             </a:fld>
             <a:endParaRPr lang="en-US"/>
           </a:p>
@@ -813,7 +816,7 @@
           <a:p>
             <a:fld id="{BA4DEA9C-1E2A-0F49-BB26-61F3EA801F19}" type="datetimeFigureOut">
               <a:rPr lang="en-US" smtClean="0"/>
-              <a:t>4/14/13</a:t>
+              <a:t>4/16/13</a:t>
             </a:fld>
             <a:endParaRPr lang="en-US"/>
           </a:p>
@@ -1059,7 +1062,7 @@
           <a:p>
             <a:fld id="{BA4DEA9C-1E2A-0F49-BB26-61F3EA801F19}" type="datetimeFigureOut">
               <a:rPr lang="en-US" smtClean="0"/>
-              <a:t>4/14/13</a:t>
+              <a:t>4/16/13</a:t>
             </a:fld>
             <a:endParaRPr lang="en-US"/>
           </a:p>
@@ -1347,7 +1350,7 @@
           <a:p>
             <a:fld id="{BA4DEA9C-1E2A-0F49-BB26-61F3EA801F19}" type="datetimeFigureOut">
               <a:rPr lang="en-US" smtClean="0"/>
-              <a:t>4/14/13</a:t>
+              <a:t>4/16/13</a:t>
             </a:fld>
             <a:endParaRPr lang="en-US"/>
           </a:p>
@@ -1769,7 +1772,7 @@
           <a:p>
             <a:fld id="{BA4DEA9C-1E2A-0F49-BB26-61F3EA801F19}" type="datetimeFigureOut">
               <a:rPr lang="en-US" smtClean="0"/>
-              <a:t>4/14/13</a:t>
+              <a:t>4/16/13</a:t>
             </a:fld>
             <a:endParaRPr lang="en-US"/>
           </a:p>
@@ -1887,7 +1890,7 @@
           <a:p>
             <a:fld id="{BA4DEA9C-1E2A-0F49-BB26-61F3EA801F19}" type="datetimeFigureOut">
               <a:rPr lang="en-US" smtClean="0"/>
-              <a:t>4/14/13</a:t>
+              <a:t>4/16/13</a:t>
             </a:fld>
             <a:endParaRPr lang="en-US"/>
           </a:p>
@@ -1982,7 +1985,7 @@
           <a:p>
             <a:fld id="{BA4DEA9C-1E2A-0F49-BB26-61F3EA801F19}" type="datetimeFigureOut">
               <a:rPr lang="en-US" smtClean="0"/>
-              <a:t>4/14/13</a:t>
+              <a:t>4/16/13</a:t>
             </a:fld>
             <a:endParaRPr lang="en-US"/>
           </a:p>
@@ -2259,7 +2262,7 @@
           <a:p>
             <a:fld id="{BA4DEA9C-1E2A-0F49-BB26-61F3EA801F19}" type="datetimeFigureOut">
               <a:rPr lang="en-US" smtClean="0"/>
-              <a:t>4/14/13</a:t>
+              <a:t>4/16/13</a:t>
             </a:fld>
             <a:endParaRPr lang="en-US"/>
           </a:p>
@@ -2512,7 +2515,7 @@
           <a:p>
             <a:fld id="{BA4DEA9C-1E2A-0F49-BB26-61F3EA801F19}" type="datetimeFigureOut">
               <a:rPr lang="en-US" smtClean="0"/>
-              <a:t>4/14/13</a:t>
+              <a:t>4/16/13</a:t>
             </a:fld>
             <a:endParaRPr lang="en-US"/>
           </a:p>
@@ -2725,7 +2728,7 @@
           <a:p>
             <a:fld id="{BA4DEA9C-1E2A-0F49-BB26-61F3EA801F19}" type="datetimeFigureOut">
               <a:rPr lang="en-US" smtClean="0"/>
-              <a:t>4/14/13</a:t>
+              <a:t>4/16/13</a:t>
             </a:fld>
             <a:endParaRPr lang="en-US"/>
           </a:p>
@@ -3308,28 +3311,267 @@
           <a:chExt cx="0" cy="0"/>
         </a:xfrm>
       </p:grpSpPr>
-      <p:sp>
-        <p:nvSpPr>
-          <p:cNvPr id="4" name="Title 3"/>
-          <p:cNvSpPr>
-            <a:spLocks noGrp="1"/>
-          </p:cNvSpPr>
-          <p:nvPr>
-            <p:ph type="title"/>
-          </p:nvPr>
-        </p:nvSpPr>
-        <p:spPr/>
-        <p:txBody>
-          <a:bodyPr/>
+      <p:pic>
+        <p:nvPicPr>
+          <p:cNvPr id="6" name="Picture 5"/>
+          <p:cNvPicPr>
+            <a:picLocks noChangeAspect="1"/>
+          </p:cNvPicPr>
+          <p:nvPr/>
+        </p:nvPicPr>
+        <p:blipFill>
+          <a:blip r:embed="rId2"/>
+          <a:stretch>
+            <a:fillRect/>
+          </a:stretch>
+        </p:blipFill>
+        <p:spPr>
+          <a:xfrm>
+            <a:off x="2463800" y="0"/>
+            <a:ext cx="4205773" cy="6858000"/>
+          </a:xfrm>
+          <a:prstGeom prst="rect">
+            <a:avLst/>
+          </a:prstGeom>
+        </p:spPr>
+      </p:pic>
+      <p:sp>
+        <p:nvSpPr>
+          <p:cNvPr id="2" name="Rectangle 1"/>
+          <p:cNvSpPr/>
+          <p:nvPr/>
+        </p:nvSpPr>
+        <p:spPr>
+          <a:xfrm>
+            <a:off x="3591178" y="2010741"/>
+            <a:ext cx="905093" cy="777717"/>
+          </a:xfrm>
+          <a:prstGeom prst="rect">
+            <a:avLst/>
+          </a:prstGeom>
+          <a:solidFill>
+            <a:schemeClr val="accent2">
+              <a:alpha val="50000"/>
+            </a:schemeClr>
+          </a:solidFill>
+          <a:ln>
+            <a:solidFill>
+              <a:schemeClr val="accent2"/>
+            </a:solidFill>
+          </a:ln>
+        </p:spPr>
+        <p:style>
+          <a:lnRef idx="1">
+            <a:schemeClr val="accent1"/>
+          </a:lnRef>
+          <a:fillRef idx="3">
+            <a:schemeClr val="accent1"/>
+          </a:fillRef>
+          <a:effectRef idx="2">
+            <a:schemeClr val="accent1"/>
+          </a:effectRef>
+          <a:fontRef idx="minor">
+            <a:schemeClr val="lt1"/>
+          </a:fontRef>
+        </p:style>
+        <p:txBody>
+          <a:bodyPr rtlCol="0" anchor="ctr"/>
+          <a:lstStyle/>
+          <a:p>
+            <a:pPr algn="ctr"/>
+            <a:endParaRPr lang="en-US"/>
+          </a:p>
+        </p:txBody>
+      </p:sp>
+      <p:sp>
+        <p:nvSpPr>
+          <p:cNvPr id="7" name="Rectangle 6"/>
+          <p:cNvSpPr/>
+          <p:nvPr/>
+        </p:nvSpPr>
+        <p:spPr>
+          <a:xfrm>
+            <a:off x="3591178" y="3026170"/>
+            <a:ext cx="905093" cy="777717"/>
+          </a:xfrm>
+          <a:prstGeom prst="rect">
+            <a:avLst/>
+          </a:prstGeom>
+          <a:solidFill>
+            <a:schemeClr val="accent2">
+              <a:alpha val="50000"/>
+            </a:schemeClr>
+          </a:solidFill>
+          <a:ln>
+            <a:solidFill>
+              <a:schemeClr val="accent2"/>
+            </a:solidFill>
+          </a:ln>
+        </p:spPr>
+        <p:style>
+          <a:lnRef idx="1">
+            <a:schemeClr val="accent1"/>
+          </a:lnRef>
+          <a:fillRef idx="3">
+            <a:schemeClr val="accent1"/>
+          </a:fillRef>
+          <a:effectRef idx="2">
+            <a:schemeClr val="accent1"/>
+          </a:effectRef>
+          <a:fontRef idx="minor">
+            <a:schemeClr val="lt1"/>
+          </a:fontRef>
+        </p:style>
+        <p:txBody>
+          <a:bodyPr rtlCol="0" anchor="ctr"/>
+          <a:lstStyle/>
+          <a:p>
+            <a:pPr algn="ctr"/>
+            <a:endParaRPr lang="en-US"/>
+          </a:p>
+        </p:txBody>
+      </p:sp>
+      <p:sp>
+        <p:nvSpPr>
+          <p:cNvPr id="8" name="Rectangle 7"/>
+          <p:cNvSpPr/>
+          <p:nvPr/>
+        </p:nvSpPr>
+        <p:spPr>
+          <a:xfrm>
+            <a:off x="3591178" y="1028874"/>
+            <a:ext cx="905093" cy="777717"/>
+          </a:xfrm>
+          <a:prstGeom prst="rect">
+            <a:avLst/>
+          </a:prstGeom>
+          <a:solidFill>
+            <a:schemeClr val="accent2">
+              <a:alpha val="50000"/>
+            </a:schemeClr>
+          </a:solidFill>
+          <a:ln w="38100" cmpd="sng">
+            <a:solidFill>
+              <a:schemeClr val="accent2"/>
+            </a:solidFill>
+          </a:ln>
+        </p:spPr>
+        <p:style>
+          <a:lnRef idx="1">
+            <a:schemeClr val="accent1"/>
+          </a:lnRef>
+          <a:fillRef idx="3">
+            <a:schemeClr val="accent1"/>
+          </a:fillRef>
+          <a:effectRef idx="2">
+            <a:schemeClr val="accent1"/>
+          </a:effectRef>
+          <a:fontRef idx="minor">
+            <a:schemeClr val="lt1"/>
+          </a:fontRef>
+        </p:style>
+        <p:txBody>
+          <a:bodyPr rtlCol="0" anchor="ctr"/>
+          <a:lstStyle/>
+          <a:p>
+            <a:pPr algn="ctr"/>
+            <a:endParaRPr lang="en-US">
+              <a:ln w="38100" cmpd="sng">
+                <a:solidFill>
+                  <a:schemeClr val="tx1"/>
+                </a:solidFill>
+              </a:ln>
+            </a:endParaRPr>
+          </a:p>
+        </p:txBody>
+      </p:sp>
+      <p:sp>
+        <p:nvSpPr>
+          <p:cNvPr id="9" name="Rectangle 8"/>
+          <p:cNvSpPr/>
+          <p:nvPr/>
+        </p:nvSpPr>
+        <p:spPr>
+          <a:xfrm>
+            <a:off x="3591178" y="34678"/>
+            <a:ext cx="905093" cy="777717"/>
+          </a:xfrm>
+          <a:prstGeom prst="rect">
+            <a:avLst/>
+          </a:prstGeom>
+          <a:solidFill>
+            <a:schemeClr val="accent2">
+              <a:alpha val="50000"/>
+            </a:schemeClr>
+          </a:solidFill>
+          <a:ln w="38100" cmpd="sng">
+            <a:solidFill>
+              <a:schemeClr val="accent2"/>
+            </a:solidFill>
+          </a:ln>
+        </p:spPr>
+        <p:style>
+          <a:lnRef idx="1">
+            <a:schemeClr val="accent1"/>
+          </a:lnRef>
+          <a:fillRef idx="3">
+            <a:schemeClr val="accent1"/>
+          </a:fillRef>
+          <a:effectRef idx="2">
+            <a:schemeClr val="accent1"/>
+          </a:effectRef>
+          <a:fontRef idx="minor">
+            <a:schemeClr val="lt1"/>
+          </a:fontRef>
+        </p:style>
+        <p:txBody>
+          <a:bodyPr rtlCol="0" anchor="ctr"/>
+          <a:lstStyle/>
+          <a:p>
+            <a:pPr algn="ctr"/>
+            <a:endParaRPr lang="en-US">
+              <a:ln w="38100" cmpd="sng">
+                <a:solidFill>
+                  <a:schemeClr val="tx1"/>
+                </a:solidFill>
+              </a:ln>
+            </a:endParaRPr>
+          </a:p>
+        </p:txBody>
+      </p:sp>
+      <p:sp>
+        <p:nvSpPr>
+          <p:cNvPr id="10" name="TextBox 9"/>
+          <p:cNvSpPr txBox="1"/>
+          <p:nvPr/>
+        </p:nvSpPr>
+        <p:spPr>
+          <a:xfrm>
+            <a:off x="0" y="0"/>
+            <a:ext cx="1988044" cy="369332"/>
+          </a:xfrm>
+          <a:prstGeom prst="rect">
+            <a:avLst/>
+          </a:prstGeom>
+          <a:noFill/>
+        </p:spPr>
+        <p:txBody>
+          <a:bodyPr wrap="none" rtlCol="0">
+            <a:spAutoFit/>
+          </a:bodyPr>
           <a:lstStyle/>
           <a:p>
             <a:r>
               <a:rPr lang="en-US" dirty="0" smtClean="0"/>
-              <a:t>Support </a:t>
-            </a:r>
-            <a:r>
-              <a:rPr lang="en-US" smtClean="0"/>
-              <a:t>Vector Machines</a:t>
+              <a:t>Section </a:t>
+            </a:r>
+            <a:r>
+              <a:rPr lang="en-US" dirty="0" smtClean="0"/>
+              <a:t>5 (this one</a:t>
+            </a:r>
+            <a:r>
+              <a:rPr lang="en-US" dirty="0" smtClean="0"/>
+              <a:t>)</a:t>
             </a:r>
             <a:endParaRPr lang="en-US" dirty="0"/>
           </a:p>
@@ -3337,33 +3579,121 @@
       </p:sp>
       <p:sp>
         <p:nvSpPr>
-          <p:cNvPr id="5" name="Text Placeholder 4"/>
-          <p:cNvSpPr>
-            <a:spLocks noGrp="1"/>
-          </p:cNvSpPr>
-          <p:nvPr>
-            <p:ph type="body" idx="1"/>
-          </p:nvPr>
-        </p:nvSpPr>
-        <p:spPr/>
-        <p:txBody>
-          <a:bodyPr/>
-          <a:lstStyle/>
-          <a:p>
-            <a:endParaRPr lang="en-US" dirty="0"/>
+          <p:cNvPr id="11" name="Rectangle 10"/>
+          <p:cNvSpPr/>
+          <p:nvPr/>
+        </p:nvSpPr>
+        <p:spPr>
+          <a:xfrm>
+            <a:off x="2513120" y="4006819"/>
+            <a:ext cx="905093" cy="777717"/>
+          </a:xfrm>
+          <a:prstGeom prst="rect">
+            <a:avLst/>
+          </a:prstGeom>
+          <a:noFill/>
+          <a:ln w="38100" cmpd="sng">
+            <a:solidFill>
+              <a:schemeClr val="accent2"/>
+            </a:solidFill>
+          </a:ln>
+        </p:spPr>
+        <p:style>
+          <a:lnRef idx="1">
+            <a:schemeClr val="accent1"/>
+          </a:lnRef>
+          <a:fillRef idx="3">
+            <a:schemeClr val="accent1"/>
+          </a:fillRef>
+          <a:effectRef idx="2">
+            <a:schemeClr val="accent1"/>
+          </a:effectRef>
+          <a:fontRef idx="minor">
+            <a:schemeClr val="lt1"/>
+          </a:fontRef>
+        </p:style>
+        <p:txBody>
+          <a:bodyPr rtlCol="0" anchor="ctr"/>
+          <a:lstStyle/>
+          <a:p>
+            <a:pPr algn="ctr"/>
+            <a:endParaRPr lang="en-US">
+              <a:ln w="38100" cmpd="sng">
+                <a:solidFill>
+                  <a:schemeClr val="tx1"/>
+                </a:solidFill>
+              </a:ln>
+            </a:endParaRPr>
+          </a:p>
+        </p:txBody>
+      </p:sp>
+      <p:sp>
+        <p:nvSpPr>
+          <p:cNvPr id="12" name="Rectangle 11"/>
+          <p:cNvSpPr/>
+          <p:nvPr/>
+        </p:nvSpPr>
+        <p:spPr>
+          <a:xfrm>
+            <a:off x="3591178" y="5002931"/>
+            <a:ext cx="905093" cy="777717"/>
+          </a:xfrm>
+          <a:prstGeom prst="rect">
+            <a:avLst/>
+          </a:prstGeom>
+          <a:noFill/>
+          <a:ln w="38100" cmpd="sng">
+            <a:solidFill>
+              <a:schemeClr val="accent2"/>
+            </a:solidFill>
+          </a:ln>
+        </p:spPr>
+        <p:style>
+          <a:lnRef idx="1">
+            <a:schemeClr val="accent1"/>
+          </a:lnRef>
+          <a:fillRef idx="3">
+            <a:schemeClr val="accent1"/>
+          </a:fillRef>
+          <a:effectRef idx="2">
+            <a:schemeClr val="accent1"/>
+          </a:effectRef>
+          <a:fontRef idx="minor">
+            <a:schemeClr val="lt1"/>
+          </a:fontRef>
+        </p:style>
+        <p:txBody>
+          <a:bodyPr rtlCol="0" anchor="ctr"/>
+          <a:lstStyle/>
+          <a:p>
+            <a:pPr algn="ctr"/>
+            <a:endParaRPr lang="en-US">
+              <a:ln w="38100" cmpd="sng">
+                <a:solidFill>
+                  <a:schemeClr val="tx1"/>
+                </a:solidFill>
+              </a:ln>
+            </a:endParaRPr>
           </a:p>
         </p:txBody>
       </p:sp>
     </p:spTree>
     <p:extLst>
       <p:ext uri="{BB962C8B-B14F-4D97-AF65-F5344CB8AC3E}">
-        <p14:creationId xmlns:p14="http://schemas.microsoft.com/office/powerpoint/2010/main" val="1979891393"/>
+        <p14:creationId xmlns:p14="http://schemas.microsoft.com/office/powerpoint/2010/main" val="3936047409"/>
       </p:ext>
     </p:extLst>
   </p:cSld>
   <p:clrMapOvr>
     <a:masterClrMapping/>
   </p:clrMapOvr>
+  <p:timing>
+    <p:tnLst>
+      <p:par>
+        <p:cTn xmlns:p14="http://schemas.microsoft.com/office/powerpoint/2010/main" id="1" dur="indefinite" restart="never" nodeType="tmRoot"/>
+      </p:par>
+    </p:tnLst>
+  </p:timing>
 </p:sld>
 </file>
 
@@ -3384,63 +3714,53 @@
           <a:chExt cx="0" cy="0"/>
         </a:xfrm>
       </p:grpSpPr>
-      <p:sp>
-        <p:nvSpPr>
-          <p:cNvPr id="2" name="Title 1"/>
-          <p:cNvSpPr>
-            <a:spLocks noGrp="1"/>
-          </p:cNvSpPr>
-          <p:nvPr>
-            <p:ph type="ctrTitle"/>
-          </p:nvPr>
-        </p:nvSpPr>
-        <p:spPr/>
-        <p:txBody>
-          <a:bodyPr/>
-          <a:lstStyle/>
-          <a:p>
-            <a:endParaRPr lang="en-US" dirty="0"/>
-          </a:p>
-        </p:txBody>
-      </p:sp>
-      <p:sp>
-        <p:nvSpPr>
-          <p:cNvPr id="3" name="Subtitle 2"/>
-          <p:cNvSpPr>
-            <a:spLocks noGrp="1"/>
-          </p:cNvSpPr>
-          <p:nvPr>
-            <p:ph type="subTitle" idx="1"/>
-          </p:nvPr>
-        </p:nvSpPr>
-        <p:spPr/>
-        <p:txBody>
-          <a:bodyPr/>
-          <a:lstStyle/>
-          <a:p>
-            <a:endParaRPr lang="en-US" dirty="0"/>
-          </a:p>
-        </p:txBody>
-      </p:sp>
-      <p:sp>
-        <p:nvSpPr>
-          <p:cNvPr id="4" name="Rectangle 3"/>
+      <p:pic>
+        <p:nvPicPr>
+          <p:cNvPr id="6" name="Picture 5"/>
+          <p:cNvPicPr>
+            <a:picLocks noChangeAspect="1"/>
+          </p:cNvPicPr>
+          <p:nvPr/>
+        </p:nvPicPr>
+        <p:blipFill>
+          <a:blip r:embed="rId2"/>
+          <a:stretch>
+            <a:fillRect/>
+          </a:stretch>
+        </p:blipFill>
+        <p:spPr>
+          <a:xfrm>
+            <a:off x="2463800" y="0"/>
+            <a:ext cx="4205773" cy="6858000"/>
+          </a:xfrm>
+          <a:prstGeom prst="rect">
+            <a:avLst/>
+          </a:prstGeom>
+        </p:spPr>
+      </p:pic>
+      <p:sp>
+        <p:nvSpPr>
+          <p:cNvPr id="2" name="Rectangle 1"/>
           <p:cNvSpPr/>
           <p:nvPr/>
         </p:nvSpPr>
         <p:spPr>
           <a:xfrm>
-            <a:off x="0" y="0"/>
-            <a:ext cx="9144000" cy="6858000"/>
+            <a:off x="3591178" y="2010741"/>
+            <a:ext cx="905093" cy="777717"/>
           </a:xfrm>
           <a:prstGeom prst="rect">
             <a:avLst/>
           </a:prstGeom>
           <a:solidFill>
-            <a:schemeClr val="tx1"/>
+            <a:schemeClr val="accent2">
+              <a:alpha val="50000"/>
+            </a:schemeClr>
           </a:solidFill>
           <a:ln>
-            <a:noFill/>
+            <a:solidFill>
+              <a:schemeClr val="accent2"/>
+            </a:solidFill>
           </a:ln>
         </p:spPr>
         <p:style>
@@ -3466,10 +3786,354 @@
           </a:p>
         </p:txBody>
       </p:sp>
+      <p:sp>
+        <p:nvSpPr>
+          <p:cNvPr id="7" name="Rectangle 6"/>
+          <p:cNvSpPr/>
+          <p:nvPr/>
+        </p:nvSpPr>
+        <p:spPr>
+          <a:xfrm>
+            <a:off x="3591178" y="3026170"/>
+            <a:ext cx="905093" cy="777717"/>
+          </a:xfrm>
+          <a:prstGeom prst="rect">
+            <a:avLst/>
+          </a:prstGeom>
+          <a:solidFill>
+            <a:schemeClr val="accent2">
+              <a:alpha val="50000"/>
+            </a:schemeClr>
+          </a:solidFill>
+          <a:ln>
+            <a:solidFill>
+              <a:schemeClr val="accent2"/>
+            </a:solidFill>
+          </a:ln>
+        </p:spPr>
+        <p:style>
+          <a:lnRef idx="1">
+            <a:schemeClr val="accent1"/>
+          </a:lnRef>
+          <a:fillRef idx="3">
+            <a:schemeClr val="accent1"/>
+          </a:fillRef>
+          <a:effectRef idx="2">
+            <a:schemeClr val="accent1"/>
+          </a:effectRef>
+          <a:fontRef idx="minor">
+            <a:schemeClr val="lt1"/>
+          </a:fontRef>
+        </p:style>
+        <p:txBody>
+          <a:bodyPr rtlCol="0" anchor="ctr"/>
+          <a:lstStyle/>
+          <a:p>
+            <a:pPr algn="ctr"/>
+            <a:endParaRPr lang="en-US"/>
+          </a:p>
+        </p:txBody>
+      </p:sp>
+      <p:sp>
+        <p:nvSpPr>
+          <p:cNvPr id="8" name="Rectangle 7"/>
+          <p:cNvSpPr/>
+          <p:nvPr/>
+        </p:nvSpPr>
+        <p:spPr>
+          <a:xfrm>
+            <a:off x="3591178" y="1028874"/>
+            <a:ext cx="905093" cy="777717"/>
+          </a:xfrm>
+          <a:prstGeom prst="rect">
+            <a:avLst/>
+          </a:prstGeom>
+          <a:solidFill>
+            <a:schemeClr val="accent2">
+              <a:alpha val="50000"/>
+            </a:schemeClr>
+          </a:solidFill>
+          <a:ln w="38100" cmpd="sng">
+            <a:solidFill>
+              <a:schemeClr val="accent2"/>
+            </a:solidFill>
+          </a:ln>
+        </p:spPr>
+        <p:style>
+          <a:lnRef idx="1">
+            <a:schemeClr val="accent1"/>
+          </a:lnRef>
+          <a:fillRef idx="3">
+            <a:schemeClr val="accent1"/>
+          </a:fillRef>
+          <a:effectRef idx="2">
+            <a:schemeClr val="accent1"/>
+          </a:effectRef>
+          <a:fontRef idx="minor">
+            <a:schemeClr val="lt1"/>
+          </a:fontRef>
+        </p:style>
+        <p:txBody>
+          <a:bodyPr rtlCol="0" anchor="ctr"/>
+          <a:lstStyle/>
+          <a:p>
+            <a:pPr algn="ctr"/>
+            <a:endParaRPr lang="en-US">
+              <a:ln w="38100" cmpd="sng">
+                <a:solidFill>
+                  <a:schemeClr val="tx1"/>
+                </a:solidFill>
+              </a:ln>
+            </a:endParaRPr>
+          </a:p>
+        </p:txBody>
+      </p:sp>
+      <p:sp>
+        <p:nvSpPr>
+          <p:cNvPr id="9" name="Rectangle 8"/>
+          <p:cNvSpPr/>
+          <p:nvPr/>
+        </p:nvSpPr>
+        <p:spPr>
+          <a:xfrm>
+            <a:off x="3591178" y="34678"/>
+            <a:ext cx="905093" cy="777717"/>
+          </a:xfrm>
+          <a:prstGeom prst="rect">
+            <a:avLst/>
+          </a:prstGeom>
+          <a:solidFill>
+            <a:schemeClr val="accent2">
+              <a:alpha val="50000"/>
+            </a:schemeClr>
+          </a:solidFill>
+          <a:ln w="38100" cmpd="sng">
+            <a:solidFill>
+              <a:schemeClr val="accent2"/>
+            </a:solidFill>
+          </a:ln>
+        </p:spPr>
+        <p:style>
+          <a:lnRef idx="1">
+            <a:schemeClr val="accent1"/>
+          </a:lnRef>
+          <a:fillRef idx="3">
+            <a:schemeClr val="accent1"/>
+          </a:fillRef>
+          <a:effectRef idx="2">
+            <a:schemeClr val="accent1"/>
+          </a:effectRef>
+          <a:fontRef idx="minor">
+            <a:schemeClr val="lt1"/>
+          </a:fontRef>
+        </p:style>
+        <p:txBody>
+          <a:bodyPr rtlCol="0" anchor="ctr"/>
+          <a:lstStyle/>
+          <a:p>
+            <a:pPr algn="ctr"/>
+            <a:endParaRPr lang="en-US">
+              <a:ln w="38100" cmpd="sng">
+                <a:solidFill>
+                  <a:schemeClr val="tx1"/>
+                </a:solidFill>
+              </a:ln>
+            </a:endParaRPr>
+          </a:p>
+        </p:txBody>
+      </p:sp>
+      <p:sp>
+        <p:nvSpPr>
+          <p:cNvPr id="10" name="TextBox 9"/>
+          <p:cNvSpPr txBox="1"/>
+          <p:nvPr/>
+        </p:nvSpPr>
+        <p:spPr>
+          <a:xfrm>
+            <a:off x="0" y="0"/>
+            <a:ext cx="2291575" cy="369332"/>
+          </a:xfrm>
+          <a:prstGeom prst="rect">
+            <a:avLst/>
+          </a:prstGeom>
+          <a:noFill/>
+        </p:spPr>
+        <p:txBody>
+          <a:bodyPr wrap="none" rtlCol="0">
+            <a:spAutoFit/>
+          </a:bodyPr>
+          <a:lstStyle/>
+          <a:p>
+            <a:r>
+              <a:rPr lang="en-US" dirty="0" smtClean="0"/>
+              <a:t>Section </a:t>
+            </a:r>
+            <a:r>
+              <a:rPr lang="en-US" dirty="0" smtClean="0"/>
+              <a:t>5+6</a:t>
+            </a:r>
+            <a:r>
+              <a:rPr lang="en-US" dirty="0" smtClean="0"/>
+              <a:t> </a:t>
+            </a:r>
+            <a:r>
+              <a:rPr lang="en-US" dirty="0" smtClean="0"/>
+              <a:t>(next one)</a:t>
+            </a:r>
+            <a:endParaRPr lang="en-US" dirty="0"/>
+          </a:p>
+        </p:txBody>
+      </p:sp>
+      <p:sp>
+        <p:nvSpPr>
+          <p:cNvPr id="11" name="Rectangle 10"/>
+          <p:cNvSpPr/>
+          <p:nvPr/>
+        </p:nvSpPr>
+        <p:spPr>
+          <a:xfrm>
+            <a:off x="2525450" y="2022968"/>
+            <a:ext cx="905093" cy="777717"/>
+          </a:xfrm>
+          <a:prstGeom prst="rect">
+            <a:avLst/>
+          </a:prstGeom>
+          <a:noFill/>
+          <a:ln w="38100" cmpd="sng">
+            <a:solidFill>
+              <a:schemeClr val="accent2"/>
+            </a:solidFill>
+          </a:ln>
+        </p:spPr>
+        <p:style>
+          <a:lnRef idx="1">
+            <a:schemeClr val="accent1"/>
+          </a:lnRef>
+          <a:fillRef idx="3">
+            <a:schemeClr val="accent1"/>
+          </a:fillRef>
+          <a:effectRef idx="2">
+            <a:schemeClr val="accent1"/>
+          </a:effectRef>
+          <a:fontRef idx="minor">
+            <a:schemeClr val="lt1"/>
+          </a:fontRef>
+        </p:style>
+        <p:txBody>
+          <a:bodyPr rtlCol="0" anchor="ctr"/>
+          <a:lstStyle/>
+          <a:p>
+            <a:pPr algn="ctr"/>
+            <a:endParaRPr lang="en-US">
+              <a:ln w="38100" cmpd="sng">
+                <a:solidFill>
+                  <a:schemeClr val="tx1"/>
+                </a:solidFill>
+              </a:ln>
+            </a:endParaRPr>
+          </a:p>
+        </p:txBody>
+      </p:sp>
+      <p:sp>
+        <p:nvSpPr>
+          <p:cNvPr id="13" name="Rectangle 12"/>
+          <p:cNvSpPr/>
+          <p:nvPr/>
+        </p:nvSpPr>
+        <p:spPr>
+          <a:xfrm>
+            <a:off x="2525450" y="4003292"/>
+            <a:ext cx="905093" cy="777717"/>
+          </a:xfrm>
+          <a:prstGeom prst="rect">
+            <a:avLst/>
+          </a:prstGeom>
+          <a:solidFill>
+            <a:schemeClr val="accent2">
+              <a:alpha val="50000"/>
+            </a:schemeClr>
+          </a:solidFill>
+          <a:ln>
+            <a:solidFill>
+              <a:schemeClr val="accent2"/>
+            </a:solidFill>
+          </a:ln>
+        </p:spPr>
+        <p:style>
+          <a:lnRef idx="1">
+            <a:schemeClr val="accent1"/>
+          </a:lnRef>
+          <a:fillRef idx="3">
+            <a:schemeClr val="accent1"/>
+          </a:fillRef>
+          <a:effectRef idx="2">
+            <a:schemeClr val="accent1"/>
+          </a:effectRef>
+          <a:fontRef idx="minor">
+            <a:schemeClr val="lt1"/>
+          </a:fontRef>
+        </p:style>
+        <p:txBody>
+          <a:bodyPr rtlCol="0" anchor="ctr"/>
+          <a:lstStyle/>
+          <a:p>
+            <a:pPr algn="ctr"/>
+            <a:endParaRPr lang="en-US"/>
+          </a:p>
+        </p:txBody>
+      </p:sp>
+      <p:sp>
+        <p:nvSpPr>
+          <p:cNvPr id="14" name="Rectangle 13"/>
+          <p:cNvSpPr/>
+          <p:nvPr/>
+        </p:nvSpPr>
+        <p:spPr>
+          <a:xfrm>
+            <a:off x="3591178" y="5007383"/>
+            <a:ext cx="905093" cy="777717"/>
+          </a:xfrm>
+          <a:prstGeom prst="rect">
+            <a:avLst/>
+          </a:prstGeom>
+          <a:solidFill>
+            <a:schemeClr val="accent2">
+              <a:alpha val="50000"/>
+            </a:schemeClr>
+          </a:solidFill>
+          <a:ln>
+            <a:solidFill>
+              <a:schemeClr val="accent2"/>
+            </a:solidFill>
+          </a:ln>
+        </p:spPr>
+        <p:style>
+          <a:lnRef idx="1">
+            <a:schemeClr val="accent1"/>
+          </a:lnRef>
+          <a:fillRef idx="3">
+            <a:schemeClr val="accent1"/>
+          </a:fillRef>
+          <a:effectRef idx="2">
+            <a:schemeClr val="accent1"/>
+          </a:effectRef>
+          <a:fontRef idx="minor">
+            <a:schemeClr val="lt1"/>
+          </a:fontRef>
+        </p:style>
+        <p:txBody>
+          <a:bodyPr rtlCol="0" anchor="ctr"/>
+          <a:lstStyle/>
+          <a:p>
+            <a:pPr algn="ctr"/>
+            <a:endParaRPr lang="en-US"/>
+          </a:p>
+        </p:txBody>
+      </p:sp>
     </p:spTree>
     <p:extLst>
       <p:ext uri="{BB962C8B-B14F-4D97-AF65-F5344CB8AC3E}">
-        <p14:creationId xmlns:p14="http://schemas.microsoft.com/office/powerpoint/2010/main" val="4127753503"/>
+        <p14:creationId xmlns:p14="http://schemas.microsoft.com/office/powerpoint/2010/main" val="497109354"/>
       </p:ext>
     </p:extLst>
   </p:cSld>
@@ -3520,6 +4184,205 @@
           <a:p>
             <a:r>
               <a:rPr lang="en-US" dirty="0" smtClean="0"/>
+              <a:t>Support </a:t>
+            </a:r>
+            <a:r>
+              <a:rPr lang="en-US" smtClean="0"/>
+              <a:t>Vector Machines</a:t>
+            </a:r>
+            <a:endParaRPr lang="en-US" dirty="0"/>
+          </a:p>
+        </p:txBody>
+      </p:sp>
+      <p:sp>
+        <p:nvSpPr>
+          <p:cNvPr id="5" name="Text Placeholder 4"/>
+          <p:cNvSpPr>
+            <a:spLocks noGrp="1"/>
+          </p:cNvSpPr>
+          <p:nvPr>
+            <p:ph type="body" idx="1"/>
+          </p:nvPr>
+        </p:nvSpPr>
+        <p:spPr/>
+        <p:txBody>
+          <a:bodyPr/>
+          <a:lstStyle/>
+          <a:p>
+            <a:r>
+              <a:rPr lang="en-US" smtClean="0"/>
+              <a:t>Break to PDF</a:t>
+            </a:r>
+            <a:endParaRPr lang="en-US" dirty="0"/>
+          </a:p>
+        </p:txBody>
+      </p:sp>
+    </p:spTree>
+    <p:extLst>
+      <p:ext uri="{BB962C8B-B14F-4D97-AF65-F5344CB8AC3E}">
+        <p14:creationId xmlns:p14="http://schemas.microsoft.com/office/powerpoint/2010/main" val="1979891393"/>
+      </p:ext>
+    </p:extLst>
+  </p:cSld>
+  <p:clrMapOvr>
+    <a:masterClrMapping/>
+  </p:clrMapOvr>
+</p:sld>
+</file>
+
+<file path=ppt/slides/slide6.xml><?xml version="1.0" encoding="utf-8"?>
+<p:sld xmlns:a="http://schemas.openxmlformats.org/drawingml/2006/main" xmlns:r="http://schemas.openxmlformats.org/officeDocument/2006/relationships" xmlns:p="http://schemas.openxmlformats.org/presentationml/2006/main">
+  <p:cSld>
+    <p:spTree>
+      <p:nvGrpSpPr>
+        <p:cNvPr id="1" name=""/>
+        <p:cNvGrpSpPr/>
+        <p:nvPr/>
+      </p:nvGrpSpPr>
+      <p:grpSpPr>
+        <a:xfrm>
+          <a:off x="0" y="0"/>
+          <a:ext cx="0" cy="0"/>
+          <a:chOff x="0" y="0"/>
+          <a:chExt cx="0" cy="0"/>
+        </a:xfrm>
+      </p:grpSpPr>
+      <p:sp>
+        <p:nvSpPr>
+          <p:cNvPr id="2" name="Title 1"/>
+          <p:cNvSpPr>
+            <a:spLocks noGrp="1"/>
+          </p:cNvSpPr>
+          <p:nvPr>
+            <p:ph type="ctrTitle"/>
+          </p:nvPr>
+        </p:nvSpPr>
+        <p:spPr/>
+        <p:txBody>
+          <a:bodyPr/>
+          <a:lstStyle/>
+          <a:p>
+            <a:endParaRPr lang="en-US" dirty="0"/>
+          </a:p>
+        </p:txBody>
+      </p:sp>
+      <p:sp>
+        <p:nvSpPr>
+          <p:cNvPr id="3" name="Subtitle 2"/>
+          <p:cNvSpPr>
+            <a:spLocks noGrp="1"/>
+          </p:cNvSpPr>
+          <p:nvPr>
+            <p:ph type="subTitle" idx="1"/>
+          </p:nvPr>
+        </p:nvSpPr>
+        <p:spPr/>
+        <p:txBody>
+          <a:bodyPr/>
+          <a:lstStyle/>
+          <a:p>
+            <a:endParaRPr lang="en-US" dirty="0"/>
+          </a:p>
+        </p:txBody>
+      </p:sp>
+      <p:sp>
+        <p:nvSpPr>
+          <p:cNvPr id="4" name="Rectangle 3"/>
+          <p:cNvSpPr/>
+          <p:nvPr/>
+        </p:nvSpPr>
+        <p:spPr>
+          <a:xfrm>
+            <a:off x="0" y="0"/>
+            <a:ext cx="9144000" cy="6858000"/>
+          </a:xfrm>
+          <a:prstGeom prst="rect">
+            <a:avLst/>
+          </a:prstGeom>
+          <a:solidFill>
+            <a:schemeClr val="tx1"/>
+          </a:solidFill>
+          <a:ln>
+            <a:noFill/>
+          </a:ln>
+        </p:spPr>
+        <p:style>
+          <a:lnRef idx="1">
+            <a:schemeClr val="accent1"/>
+          </a:lnRef>
+          <a:fillRef idx="3">
+            <a:schemeClr val="accent1"/>
+          </a:fillRef>
+          <a:effectRef idx="2">
+            <a:schemeClr val="accent1"/>
+          </a:effectRef>
+          <a:fontRef idx="minor">
+            <a:schemeClr val="lt1"/>
+          </a:fontRef>
+        </p:style>
+        <p:txBody>
+          <a:bodyPr rtlCol="0" anchor="ctr"/>
+          <a:lstStyle/>
+          <a:p>
+            <a:pPr algn="ctr"/>
+            <a:endParaRPr lang="en-US"/>
+          </a:p>
+        </p:txBody>
+      </p:sp>
+    </p:spTree>
+    <p:extLst>
+      <p:ext uri="{BB962C8B-B14F-4D97-AF65-F5344CB8AC3E}">
+        <p14:creationId xmlns:p14="http://schemas.microsoft.com/office/powerpoint/2010/main" val="4127753503"/>
+      </p:ext>
+    </p:extLst>
+  </p:cSld>
+  <p:clrMapOvr>
+    <a:masterClrMapping/>
+  </p:clrMapOvr>
+  <p:timing>
+    <p:tnLst>
+      <p:par>
+        <p:cTn xmlns:p14="http://schemas.microsoft.com/office/powerpoint/2010/main" id="1" dur="indefinite" restart="never" nodeType="tmRoot"/>
+      </p:par>
+    </p:tnLst>
+  </p:timing>
+</p:sld>
+</file>
+
+<file path=ppt/slides/slide7.xml><?xml version="1.0" encoding="utf-8"?>
+<p:sld xmlns:a="http://schemas.openxmlformats.org/drawingml/2006/main" xmlns:r="http://schemas.openxmlformats.org/officeDocument/2006/relationships" xmlns:p="http://schemas.openxmlformats.org/presentationml/2006/main">
+  <p:cSld>
+    <p:spTree>
+      <p:nvGrpSpPr>
+        <p:cNvPr id="1" name=""/>
+        <p:cNvGrpSpPr/>
+        <p:nvPr/>
+      </p:nvGrpSpPr>
+      <p:grpSpPr>
+        <a:xfrm>
+          <a:off x="0" y="0"/>
+          <a:ext cx="0" cy="0"/>
+          <a:chOff x="0" y="0"/>
+          <a:chExt cx="0" cy="0"/>
+        </a:xfrm>
+      </p:grpSpPr>
+      <p:sp>
+        <p:nvSpPr>
+          <p:cNvPr id="4" name="Title 3"/>
+          <p:cNvSpPr>
+            <a:spLocks noGrp="1"/>
+          </p:cNvSpPr>
+          <p:nvPr>
+            <p:ph type="title"/>
+          </p:nvPr>
+        </p:nvSpPr>
+        <p:spPr/>
+        <p:txBody>
+          <a:bodyPr/>
+          <a:lstStyle/>
+          <a:p>
+            <a:r>
+              <a:rPr lang="en-US" dirty="0" smtClean="0"/>
               <a:t>Dimension Reduction Intro</a:t>
             </a:r>
             <a:endParaRPr lang="en-US" dirty="0"/>
@@ -3558,7 +4421,460 @@
 </p:sld>
 </file>
 
-<file path=ppt/slides/slide6.xml><?xml version="1.0" encoding="utf-8"?>
+<file path=ppt/slides/slide8.xml><?xml version="1.0" encoding="utf-8"?>
+<p:sld xmlns:a="http://schemas.openxmlformats.org/drawingml/2006/main" xmlns:r="http://schemas.openxmlformats.org/officeDocument/2006/relationships" xmlns:p="http://schemas.openxmlformats.org/presentationml/2006/main">
+  <p:cSld>
+    <p:spTree>
+      <p:nvGrpSpPr>
+        <p:cNvPr id="1" name=""/>
+        <p:cNvGrpSpPr/>
+        <p:nvPr/>
+      </p:nvGrpSpPr>
+      <p:grpSpPr>
+        <a:xfrm>
+          <a:off x="0" y="0"/>
+          <a:ext cx="0" cy="0"/>
+          <a:chOff x="0" y="0"/>
+          <a:chExt cx="0" cy="0"/>
+        </a:xfrm>
+      </p:grpSpPr>
+      <p:pic>
+        <p:nvPicPr>
+          <p:cNvPr id="6" name="Picture 5"/>
+          <p:cNvPicPr>
+            <a:picLocks noChangeAspect="1"/>
+          </p:cNvPicPr>
+          <p:nvPr/>
+        </p:nvPicPr>
+        <p:blipFill>
+          <a:blip r:embed="rId2"/>
+          <a:stretch>
+            <a:fillRect/>
+          </a:stretch>
+        </p:blipFill>
+        <p:spPr>
+          <a:xfrm>
+            <a:off x="2463800" y="0"/>
+            <a:ext cx="4205773" cy="6858000"/>
+          </a:xfrm>
+          <a:prstGeom prst="rect">
+            <a:avLst/>
+          </a:prstGeom>
+        </p:spPr>
+      </p:pic>
+      <p:sp>
+        <p:nvSpPr>
+          <p:cNvPr id="2" name="Rectangle 1"/>
+          <p:cNvSpPr/>
+          <p:nvPr/>
+        </p:nvSpPr>
+        <p:spPr>
+          <a:xfrm>
+            <a:off x="3591178" y="2010741"/>
+            <a:ext cx="905093" cy="777717"/>
+          </a:xfrm>
+          <a:prstGeom prst="rect">
+            <a:avLst/>
+          </a:prstGeom>
+          <a:solidFill>
+            <a:schemeClr val="accent2">
+              <a:alpha val="50000"/>
+            </a:schemeClr>
+          </a:solidFill>
+          <a:ln>
+            <a:solidFill>
+              <a:schemeClr val="accent2"/>
+            </a:solidFill>
+          </a:ln>
+        </p:spPr>
+        <p:style>
+          <a:lnRef idx="1">
+            <a:schemeClr val="accent1"/>
+          </a:lnRef>
+          <a:fillRef idx="3">
+            <a:schemeClr val="accent1"/>
+          </a:fillRef>
+          <a:effectRef idx="2">
+            <a:schemeClr val="accent1"/>
+          </a:effectRef>
+          <a:fontRef idx="minor">
+            <a:schemeClr val="lt1"/>
+          </a:fontRef>
+        </p:style>
+        <p:txBody>
+          <a:bodyPr rtlCol="0" anchor="ctr"/>
+          <a:lstStyle/>
+          <a:p>
+            <a:pPr algn="ctr"/>
+            <a:endParaRPr lang="en-US"/>
+          </a:p>
+        </p:txBody>
+      </p:sp>
+      <p:sp>
+        <p:nvSpPr>
+          <p:cNvPr id="7" name="Rectangle 6"/>
+          <p:cNvSpPr/>
+          <p:nvPr/>
+        </p:nvSpPr>
+        <p:spPr>
+          <a:xfrm>
+            <a:off x="3591178" y="3026170"/>
+            <a:ext cx="905093" cy="777717"/>
+          </a:xfrm>
+          <a:prstGeom prst="rect">
+            <a:avLst/>
+          </a:prstGeom>
+          <a:solidFill>
+            <a:schemeClr val="accent2">
+              <a:alpha val="50000"/>
+            </a:schemeClr>
+          </a:solidFill>
+          <a:ln>
+            <a:solidFill>
+              <a:schemeClr val="accent2"/>
+            </a:solidFill>
+          </a:ln>
+        </p:spPr>
+        <p:style>
+          <a:lnRef idx="1">
+            <a:schemeClr val="accent1"/>
+          </a:lnRef>
+          <a:fillRef idx="3">
+            <a:schemeClr val="accent1"/>
+          </a:fillRef>
+          <a:effectRef idx="2">
+            <a:schemeClr val="accent1"/>
+          </a:effectRef>
+          <a:fontRef idx="minor">
+            <a:schemeClr val="lt1"/>
+          </a:fontRef>
+        </p:style>
+        <p:txBody>
+          <a:bodyPr rtlCol="0" anchor="ctr"/>
+          <a:lstStyle/>
+          <a:p>
+            <a:pPr algn="ctr"/>
+            <a:endParaRPr lang="en-US"/>
+          </a:p>
+        </p:txBody>
+      </p:sp>
+      <p:sp>
+        <p:nvSpPr>
+          <p:cNvPr id="8" name="Rectangle 7"/>
+          <p:cNvSpPr/>
+          <p:nvPr/>
+        </p:nvSpPr>
+        <p:spPr>
+          <a:xfrm>
+            <a:off x="3591178" y="1028874"/>
+            <a:ext cx="905093" cy="777717"/>
+          </a:xfrm>
+          <a:prstGeom prst="rect">
+            <a:avLst/>
+          </a:prstGeom>
+          <a:solidFill>
+            <a:schemeClr val="accent2">
+              <a:alpha val="50000"/>
+            </a:schemeClr>
+          </a:solidFill>
+          <a:ln w="38100" cmpd="sng">
+            <a:solidFill>
+              <a:schemeClr val="accent2"/>
+            </a:solidFill>
+          </a:ln>
+        </p:spPr>
+        <p:style>
+          <a:lnRef idx="1">
+            <a:schemeClr val="accent1"/>
+          </a:lnRef>
+          <a:fillRef idx="3">
+            <a:schemeClr val="accent1"/>
+          </a:fillRef>
+          <a:effectRef idx="2">
+            <a:schemeClr val="accent1"/>
+          </a:effectRef>
+          <a:fontRef idx="minor">
+            <a:schemeClr val="lt1"/>
+          </a:fontRef>
+        </p:style>
+        <p:txBody>
+          <a:bodyPr rtlCol="0" anchor="ctr"/>
+          <a:lstStyle/>
+          <a:p>
+            <a:pPr algn="ctr"/>
+            <a:endParaRPr lang="en-US">
+              <a:ln w="38100" cmpd="sng">
+                <a:solidFill>
+                  <a:schemeClr val="tx1"/>
+                </a:solidFill>
+              </a:ln>
+            </a:endParaRPr>
+          </a:p>
+        </p:txBody>
+      </p:sp>
+      <p:sp>
+        <p:nvSpPr>
+          <p:cNvPr id="9" name="Rectangle 8"/>
+          <p:cNvSpPr/>
+          <p:nvPr/>
+        </p:nvSpPr>
+        <p:spPr>
+          <a:xfrm>
+            <a:off x="3591178" y="34678"/>
+            <a:ext cx="905093" cy="777717"/>
+          </a:xfrm>
+          <a:prstGeom prst="rect">
+            <a:avLst/>
+          </a:prstGeom>
+          <a:solidFill>
+            <a:schemeClr val="accent2">
+              <a:alpha val="50000"/>
+            </a:schemeClr>
+          </a:solidFill>
+          <a:ln w="38100" cmpd="sng">
+            <a:solidFill>
+              <a:schemeClr val="accent2"/>
+            </a:solidFill>
+          </a:ln>
+        </p:spPr>
+        <p:style>
+          <a:lnRef idx="1">
+            <a:schemeClr val="accent1"/>
+          </a:lnRef>
+          <a:fillRef idx="3">
+            <a:schemeClr val="accent1"/>
+          </a:fillRef>
+          <a:effectRef idx="2">
+            <a:schemeClr val="accent1"/>
+          </a:effectRef>
+          <a:fontRef idx="minor">
+            <a:schemeClr val="lt1"/>
+          </a:fontRef>
+        </p:style>
+        <p:txBody>
+          <a:bodyPr rtlCol="0" anchor="ctr"/>
+          <a:lstStyle/>
+          <a:p>
+            <a:pPr algn="ctr"/>
+            <a:endParaRPr lang="en-US">
+              <a:ln w="38100" cmpd="sng">
+                <a:solidFill>
+                  <a:schemeClr val="tx1"/>
+                </a:solidFill>
+              </a:ln>
+            </a:endParaRPr>
+          </a:p>
+        </p:txBody>
+      </p:sp>
+      <p:sp>
+        <p:nvSpPr>
+          <p:cNvPr id="10" name="TextBox 9"/>
+          <p:cNvSpPr txBox="1"/>
+          <p:nvPr/>
+        </p:nvSpPr>
+        <p:spPr>
+          <a:xfrm>
+            <a:off x="0" y="0"/>
+            <a:ext cx="2291575" cy="369332"/>
+          </a:xfrm>
+          <a:prstGeom prst="rect">
+            <a:avLst/>
+          </a:prstGeom>
+          <a:noFill/>
+        </p:spPr>
+        <p:txBody>
+          <a:bodyPr wrap="none" rtlCol="0">
+            <a:spAutoFit/>
+          </a:bodyPr>
+          <a:lstStyle/>
+          <a:p>
+            <a:r>
+              <a:rPr lang="en-US" dirty="0" smtClean="0"/>
+              <a:t>Section </a:t>
+            </a:r>
+            <a:r>
+              <a:rPr lang="en-US" dirty="0" smtClean="0"/>
+              <a:t>5+6</a:t>
+            </a:r>
+            <a:r>
+              <a:rPr lang="en-US" dirty="0" smtClean="0"/>
+              <a:t> </a:t>
+            </a:r>
+            <a:r>
+              <a:rPr lang="en-US" dirty="0" smtClean="0"/>
+              <a:t>(next one)</a:t>
+            </a:r>
+            <a:endParaRPr lang="en-US" dirty="0"/>
+          </a:p>
+        </p:txBody>
+      </p:sp>
+      <p:sp>
+        <p:nvSpPr>
+          <p:cNvPr id="11" name="Rectangle 10"/>
+          <p:cNvSpPr/>
+          <p:nvPr/>
+        </p:nvSpPr>
+        <p:spPr>
+          <a:xfrm>
+            <a:off x="2525450" y="2022968"/>
+            <a:ext cx="905093" cy="777717"/>
+          </a:xfrm>
+          <a:prstGeom prst="rect">
+            <a:avLst/>
+          </a:prstGeom>
+          <a:noFill/>
+          <a:ln w="38100" cmpd="sng">
+            <a:solidFill>
+              <a:schemeClr val="accent2"/>
+            </a:solidFill>
+          </a:ln>
+        </p:spPr>
+        <p:style>
+          <a:lnRef idx="1">
+            <a:schemeClr val="accent1"/>
+          </a:lnRef>
+          <a:fillRef idx="3">
+            <a:schemeClr val="accent1"/>
+          </a:fillRef>
+          <a:effectRef idx="2">
+            <a:schemeClr val="accent1"/>
+          </a:effectRef>
+          <a:fontRef idx="minor">
+            <a:schemeClr val="lt1"/>
+          </a:fontRef>
+        </p:style>
+        <p:txBody>
+          <a:bodyPr rtlCol="0" anchor="ctr"/>
+          <a:lstStyle/>
+          <a:p>
+            <a:pPr algn="ctr"/>
+            <a:endParaRPr lang="en-US">
+              <a:ln w="38100" cmpd="sng">
+                <a:solidFill>
+                  <a:schemeClr val="tx1"/>
+                </a:solidFill>
+              </a:ln>
+            </a:endParaRPr>
+          </a:p>
+        </p:txBody>
+      </p:sp>
+      <p:sp>
+        <p:nvSpPr>
+          <p:cNvPr id="13" name="Rectangle 12"/>
+          <p:cNvSpPr/>
+          <p:nvPr/>
+        </p:nvSpPr>
+        <p:spPr>
+          <a:xfrm>
+            <a:off x="2525450" y="4003292"/>
+            <a:ext cx="905093" cy="777717"/>
+          </a:xfrm>
+          <a:prstGeom prst="rect">
+            <a:avLst/>
+          </a:prstGeom>
+          <a:solidFill>
+            <a:schemeClr val="accent2">
+              <a:alpha val="50000"/>
+            </a:schemeClr>
+          </a:solidFill>
+          <a:ln>
+            <a:solidFill>
+              <a:schemeClr val="accent2"/>
+            </a:solidFill>
+          </a:ln>
+        </p:spPr>
+        <p:style>
+          <a:lnRef idx="1">
+            <a:schemeClr val="accent1"/>
+          </a:lnRef>
+          <a:fillRef idx="3">
+            <a:schemeClr val="accent1"/>
+          </a:fillRef>
+          <a:effectRef idx="2">
+            <a:schemeClr val="accent1"/>
+          </a:effectRef>
+          <a:fontRef idx="minor">
+            <a:schemeClr val="lt1"/>
+          </a:fontRef>
+        </p:style>
+        <p:txBody>
+          <a:bodyPr rtlCol="0" anchor="ctr"/>
+          <a:lstStyle/>
+          <a:p>
+            <a:pPr algn="ctr"/>
+            <a:endParaRPr lang="en-US"/>
+          </a:p>
+        </p:txBody>
+      </p:sp>
+      <p:sp>
+        <p:nvSpPr>
+          <p:cNvPr id="14" name="Rectangle 13"/>
+          <p:cNvSpPr/>
+          <p:nvPr/>
+        </p:nvSpPr>
+        <p:spPr>
+          <a:xfrm>
+            <a:off x="3591178" y="5007383"/>
+            <a:ext cx="905093" cy="777717"/>
+          </a:xfrm>
+          <a:prstGeom prst="rect">
+            <a:avLst/>
+          </a:prstGeom>
+          <a:solidFill>
+            <a:schemeClr val="accent2">
+              <a:alpha val="50000"/>
+            </a:schemeClr>
+          </a:solidFill>
+          <a:ln>
+            <a:solidFill>
+              <a:schemeClr val="accent2"/>
+            </a:solidFill>
+          </a:ln>
+        </p:spPr>
+        <p:style>
+          <a:lnRef idx="1">
+            <a:schemeClr val="accent1"/>
+          </a:lnRef>
+          <a:fillRef idx="3">
+            <a:schemeClr val="accent1"/>
+          </a:fillRef>
+          <a:effectRef idx="2">
+            <a:schemeClr val="accent1"/>
+          </a:effectRef>
+          <a:fontRef idx="minor">
+            <a:schemeClr val="lt1"/>
+          </a:fontRef>
+        </p:style>
+        <p:txBody>
+          <a:bodyPr rtlCol="0" anchor="ctr"/>
+          <a:lstStyle/>
+          <a:p>
+            <a:pPr algn="ctr"/>
+            <a:endParaRPr lang="en-US"/>
+          </a:p>
+        </p:txBody>
+      </p:sp>
+    </p:spTree>
+    <p:extLst>
+      <p:ext uri="{BB962C8B-B14F-4D97-AF65-F5344CB8AC3E}">
+        <p14:creationId xmlns:p14="http://schemas.microsoft.com/office/powerpoint/2010/main" val="1301364418"/>
+      </p:ext>
+    </p:extLst>
+  </p:cSld>
+  <p:clrMapOvr>
+    <a:masterClrMapping/>
+  </p:clrMapOvr>
+  <p:timing>
+    <p:tnLst>
+      <p:par>
+        <p:cTn xmlns:p14="http://schemas.microsoft.com/office/powerpoint/2010/main" id="1" dur="indefinite" restart="never" nodeType="tmRoot"/>
+      </p:par>
+    </p:tnLst>
+  </p:timing>
+</p:sld>
+</file>
+
+<file path=ppt/slides/slide9.xml><?xml version="1.0" encoding="utf-8"?>
 <p:sld xmlns:a="http://schemas.openxmlformats.org/drawingml/2006/main" xmlns:r="http://schemas.openxmlformats.org/officeDocument/2006/relationships" xmlns:p="http://schemas.openxmlformats.org/presentationml/2006/main">
   <p:cSld>
     <p:spTree>

--- a/doc/section5.pptx
+++ b/doc/section5.pptx
@@ -4210,10 +4210,36 @@
           <a:lstStyle/>
           <a:p>
             <a:r>
-              <a:rPr lang="en-US" smtClean="0"/>
+              <a:rPr lang="en-US" dirty="0" smtClean="0"/>
               <a:t>Break to PDF</a:t>
             </a:r>
             <a:endParaRPr lang="en-US" dirty="0"/>
+          </a:p>
+        </p:txBody>
+      </p:sp>
+      <p:sp>
+        <p:nvSpPr>
+          <p:cNvPr id="2" name="TextBox 1"/>
+          <p:cNvSpPr txBox="1"/>
+          <p:nvPr/>
+        </p:nvSpPr>
+        <p:spPr>
+          <a:xfrm>
+            <a:off x="-1981761" y="4830187"/>
+            <a:ext cx="184666" cy="369332"/>
+          </a:xfrm>
+          <a:prstGeom prst="rect">
+            <a:avLst/>
+          </a:prstGeom>
+          <a:noFill/>
+        </p:spPr>
+        <p:txBody>
+          <a:bodyPr wrap="none" rtlCol="0">
+            <a:spAutoFit/>
+          </a:bodyPr>
+          <a:lstStyle/>
+          <a:p>
+            <a:endParaRPr lang="en-US"/>
           </a:p>
         </p:txBody>
       </p:sp>
